--- a/presentations/venue/Sályi Szabolcs/prezi_JAVA_EE_SÁLYI_SZABOLCS_1.pptx
+++ b/presentations/venue/Sályi Szabolcs/prezi_JAVA_EE_SÁLYI_SZABOLCS_1.pptx
@@ -217,7 +217,7 @@
           <a:p>
             <a:fld id="{34B7386D-E71A-4684-8E1C-3322B0EF2753}" type="datetimeFigureOut">
               <a:rPr lang="hu-HU" smtClean="0"/>
-              <a:t>2016. 09. 30.</a:t>
+              <a:t>2016. 10. 03.</a:t>
             </a:fld>
             <a:endParaRPr lang="hu-HU"/>
           </a:p>
@@ -529,43 +529,7 @@
           <a:bodyPr/>
           <a:lstStyle/>
           <a:p>
-            <a:r>
-              <a:rPr lang="hu-HU" dirty="0" smtClean="0"/>
-              <a:t>A mi csapatunknak(</a:t>
-            </a:r>
-            <a:r>
-              <a:rPr lang="hu-HU" baseline="0" dirty="0" err="1" smtClean="0"/>
-              <a:t>Czégényi</a:t>
-            </a:r>
-            <a:r>
-              <a:rPr lang="hu-HU" baseline="0" dirty="0" smtClean="0"/>
-              <a:t> </a:t>
-            </a:r>
-            <a:r>
-              <a:rPr lang="hu-HU" baseline="0" dirty="0" err="1" smtClean="0"/>
-              <a:t>Roland,Nagykéri</a:t>
-            </a:r>
-            <a:r>
-              <a:rPr lang="hu-HU" baseline="0" dirty="0" smtClean="0"/>
-              <a:t> Bence) a </a:t>
-            </a:r>
-            <a:r>
-              <a:rPr lang="hu-HU" baseline="0" dirty="0" err="1" smtClean="0"/>
-              <a:t>ConOrg</a:t>
-            </a:r>
-            <a:r>
-              <a:rPr lang="hu-HU" baseline="0" dirty="0" smtClean="0"/>
-              <a:t> applikáció szórakozó egységeinek a regisztrációja, megjelenítése volt a feladatunk, és a hozzá tartozó események tárolása. A </a:t>
-            </a:r>
-            <a:r>
-              <a:rPr lang="hu-HU" baseline="0" dirty="0" err="1" smtClean="0"/>
-              <a:t>screenshoton</a:t>
-            </a:r>
-            <a:r>
-              <a:rPr lang="hu-HU" baseline="0" dirty="0" smtClean="0"/>
-              <a:t> látható egy példa szórakozóhelynek az adatlapja, majd egy eseményé is. </a:t>
-            </a:r>
-            <a:endParaRPr lang="hu-HU" dirty="0"/>
+            <a:endParaRPr lang="hu-HU" smtClean="0"/>
           </a:p>
         </p:txBody>
       </p:sp>
@@ -783,7 +747,7 @@
             </a:r>
             <a:r>
               <a:rPr lang="hu-HU" baseline="0" dirty="0" smtClean="0"/>
-              <a:t> pillanatokat. Ezen kezdeti nehézségekkel megküzdve a sikeres jó csapatmunka és Anti iránymutatásai segítségével leküzdöttem a kezdeti nehézségeket, és a következő feladatokat oldottam meg a project során.</a:t>
+              <a:t> pillanatokat. Ezen kezdeti nehézségekkel megküzdve és Anti iránymutatásai segítségével leküzdöttem a kezdeti félelmeimet, és a következő célt tűztem ki magam elé.</a:t>
             </a:r>
             <a:endParaRPr lang="hu-HU" dirty="0"/>
           </a:p>
@@ -991,19 +955,27 @@
             </a:r>
             <a:r>
               <a:rPr lang="hu-HU" baseline="0" dirty="0" smtClean="0"/>
-              <a:t> technológiával. Ezután </a:t>
+              <a:t> technológiával. Ezután az üzleti rétegben dolgoztam mely során a kép feltöltések service oldalát oldottam meg, melyben sok segítséget kaptam a csapattársaktól. A project munka elött a </a:t>
             </a:r>
             <a:r>
               <a:rPr lang="hu-HU" baseline="0" dirty="0" err="1" smtClean="0"/>
-              <a:t>szerttem</a:t>
+              <a:t>jsf</a:t>
             </a:r>
             <a:r>
               <a:rPr lang="hu-HU" baseline="0" dirty="0" smtClean="0"/>
-              <a:t> volna az üzleti rétegben is kipróbálni magam így a kép feltöltések service oldalát oldottam meg, melyben sok segítséget kaptam a csapattársaktól. A project </a:t>
+              <a:t>, és </a:t>
             </a:r>
             <a:r>
               <a:rPr lang="hu-HU" baseline="0" dirty="0" err="1" smtClean="0"/>
-              <a:t>minka</a:t>
+              <a:t>primefaces</a:t>
+            </a:r>
+            <a:r>
+              <a:rPr lang="hu-HU" baseline="0" dirty="0" smtClean="0"/>
+              <a:t> technológia volt mely a legtávolabb állt, ezért szerettem volna mindenféleképpen foglalkozni vele,  szerencsére a </a:t>
+            </a:r>
+            <a:r>
+              <a:rPr lang="hu-HU" baseline="0" dirty="0" err="1" smtClean="0"/>
+              <a:t>követkző</a:t>
             </a:r>
             <a:r>
               <a:rPr lang="hu-HU" baseline="0" dirty="0" smtClean="0"/>
@@ -1011,27 +983,11 @@
             </a:r>
             <a:r>
               <a:rPr lang="hu-HU" baseline="0" dirty="0" err="1" smtClean="0"/>
-              <a:t>elott</a:t>
+              <a:t>task</a:t>
             </a:r>
             <a:r>
               <a:rPr lang="hu-HU" baseline="0" dirty="0" smtClean="0"/>
-              <a:t> a </a:t>
-            </a:r>
-            <a:r>
-              <a:rPr lang="hu-HU" baseline="0" dirty="0" err="1" smtClean="0"/>
-              <a:t>jsf</a:t>
-            </a:r>
-            <a:r>
-              <a:rPr lang="hu-HU" baseline="0" dirty="0" smtClean="0"/>
-              <a:t>, és </a:t>
-            </a:r>
-            <a:r>
-              <a:rPr lang="hu-HU" baseline="0" dirty="0" err="1" smtClean="0"/>
-              <a:t>primefaces</a:t>
-            </a:r>
-            <a:r>
-              <a:rPr lang="hu-HU" baseline="0" dirty="0" smtClean="0"/>
-              <a:t> technológia volt mely a legtávolabb állt, ezért szerettem volna mindenféleképpen foglalkozni vele, így a következőnek a naptár implementálását kaptam feladatként.</a:t>
+              <a:t> naptár implementálása volt, melyet fel is vettem feladatként.</a:t>
             </a:r>
             <a:endParaRPr lang="hu-HU" dirty="0"/>
           </a:p>
@@ -1347,7 +1303,35 @@
           <a:bodyPr/>
           <a:lstStyle/>
           <a:p>
-            <a:endParaRPr lang="hu-HU" dirty="0"/>
+            <a:r>
+              <a:rPr lang="hu-HU" dirty="0" smtClean="0"/>
+              <a:t>A</a:t>
+            </a:r>
+            <a:r>
+              <a:rPr lang="hu-HU" baseline="0" dirty="0" smtClean="0"/>
+              <a:t> kezdeti nehézségek, félelmek ellenére egy nagyon jó egység kovácsolódott köztünk,  mely igazi csapatá formált minket. A project egy nagyon jó lehetőség volt betekintést nyerni  az </a:t>
+            </a:r>
+            <a:r>
+              <a:rPr lang="hu-HU" baseline="0" dirty="0" err="1" smtClean="0"/>
+              <a:t>enterprise</a:t>
+            </a:r>
+            <a:r>
+              <a:rPr lang="hu-HU" baseline="0" dirty="0" smtClean="0"/>
+              <a:t> világba, mind a fejlesztés menetének, milyenségének megtapasztalása véget , mind  a </a:t>
+            </a:r>
+            <a:r>
+              <a:rPr lang="hu-HU" baseline="0" dirty="0" err="1" smtClean="0"/>
+              <a:t>trainingen</a:t>
+            </a:r>
+            <a:r>
+              <a:rPr lang="hu-HU" baseline="0" dirty="0" smtClean="0"/>
+              <a:t> tanult technológiák gyakorlatban való használata miatt. Végül de nem utolsó sorban a legfontosabb tapasztalat számomra a távolinak hitt akadályok </a:t>
+            </a:r>
+            <a:r>
+              <a:rPr lang="hu-HU" baseline="0" smtClean="0"/>
+              <a:t>hatékony problémák megoldása.</a:t>
+            </a:r>
+            <a:endParaRPr lang="hu-HU" baseline="0" dirty="0" smtClean="0"/>
           </a:p>
         </p:txBody>
       </p:sp>
@@ -1518,7 +1502,7 @@
           <a:p>
             <a:fld id="{C6E8B002-83F0-41C5-A7B7-2819A96BD9B2}" type="datetimeFigureOut">
               <a:rPr lang="hu-HU" smtClean="0"/>
-              <a:t>2016. 09. 30.</a:t>
+              <a:t>2016. 10. 03.</a:t>
             </a:fld>
             <a:endParaRPr lang="hu-HU"/>
           </a:p>
@@ -1688,7 +1672,7 @@
           <a:p>
             <a:fld id="{C6E8B002-83F0-41C5-A7B7-2819A96BD9B2}" type="datetimeFigureOut">
               <a:rPr lang="hu-HU" smtClean="0"/>
-              <a:t>2016. 09. 30.</a:t>
+              <a:t>2016. 10. 03.</a:t>
             </a:fld>
             <a:endParaRPr lang="hu-HU"/>
           </a:p>
@@ -1868,7 +1852,7 @@
           <a:p>
             <a:fld id="{C6E8B002-83F0-41C5-A7B7-2819A96BD9B2}" type="datetimeFigureOut">
               <a:rPr lang="hu-HU" smtClean="0"/>
-              <a:t>2016. 09. 30.</a:t>
+              <a:t>2016. 10. 03.</a:t>
             </a:fld>
             <a:endParaRPr lang="hu-HU"/>
           </a:p>
@@ -2038,7 +2022,7 @@
           <a:p>
             <a:fld id="{C6E8B002-83F0-41C5-A7B7-2819A96BD9B2}" type="datetimeFigureOut">
               <a:rPr lang="hu-HU" smtClean="0"/>
-              <a:t>2016. 09. 30.</a:t>
+              <a:t>2016. 10. 03.</a:t>
             </a:fld>
             <a:endParaRPr lang="hu-HU"/>
           </a:p>
@@ -2282,7 +2266,7 @@
           <a:p>
             <a:fld id="{C6E8B002-83F0-41C5-A7B7-2819A96BD9B2}" type="datetimeFigureOut">
               <a:rPr lang="hu-HU" smtClean="0"/>
-              <a:t>2016. 09. 30.</a:t>
+              <a:t>2016. 10. 03.</a:t>
             </a:fld>
             <a:endParaRPr lang="hu-HU"/>
           </a:p>
@@ -2514,7 +2498,7 @@
           <a:p>
             <a:fld id="{C6E8B002-83F0-41C5-A7B7-2819A96BD9B2}" type="datetimeFigureOut">
               <a:rPr lang="hu-HU" smtClean="0"/>
-              <a:t>2016. 09. 30.</a:t>
+              <a:t>2016. 10. 03.</a:t>
             </a:fld>
             <a:endParaRPr lang="hu-HU"/>
           </a:p>
@@ -2881,7 +2865,7 @@
           <a:p>
             <a:fld id="{C6E8B002-83F0-41C5-A7B7-2819A96BD9B2}" type="datetimeFigureOut">
               <a:rPr lang="hu-HU" smtClean="0"/>
-              <a:t>2016. 09. 30.</a:t>
+              <a:t>2016. 10. 03.</a:t>
             </a:fld>
             <a:endParaRPr lang="hu-HU"/>
           </a:p>
@@ -2999,7 +2983,7 @@
           <a:p>
             <a:fld id="{C6E8B002-83F0-41C5-A7B7-2819A96BD9B2}" type="datetimeFigureOut">
               <a:rPr lang="hu-HU" smtClean="0"/>
-              <a:t>2016. 09. 30.</a:t>
+              <a:t>2016. 10. 03.</a:t>
             </a:fld>
             <a:endParaRPr lang="hu-HU"/>
           </a:p>
@@ -3094,7 +3078,7 @@
           <a:p>
             <a:fld id="{C6E8B002-83F0-41C5-A7B7-2819A96BD9B2}" type="datetimeFigureOut">
               <a:rPr lang="hu-HU" smtClean="0"/>
-              <a:t>2016. 09. 30.</a:t>
+              <a:t>2016. 10. 03.</a:t>
             </a:fld>
             <a:endParaRPr lang="hu-HU"/>
           </a:p>
@@ -3371,7 +3355,7 @@
           <a:p>
             <a:fld id="{C6E8B002-83F0-41C5-A7B7-2819A96BD9B2}" type="datetimeFigureOut">
               <a:rPr lang="hu-HU" smtClean="0"/>
-              <a:t>2016. 09. 30.</a:t>
+              <a:t>2016. 10. 03.</a:t>
             </a:fld>
             <a:endParaRPr lang="hu-HU"/>
           </a:p>
@@ -3628,7 +3612,7 @@
           <a:p>
             <a:fld id="{C6E8B002-83F0-41C5-A7B7-2819A96BD9B2}" type="datetimeFigureOut">
               <a:rPr lang="hu-HU" smtClean="0"/>
-              <a:t>2016. 09. 30.</a:t>
+              <a:t>2016. 10. 03.</a:t>
             </a:fld>
             <a:endParaRPr lang="hu-HU"/>
           </a:p>
@@ -3848,7 +3832,7 @@
           <a:p>
             <a:fld id="{C6E8B002-83F0-41C5-A7B7-2819A96BD9B2}" type="datetimeFigureOut">
               <a:rPr lang="hu-HU" smtClean="0"/>
-              <a:t>2016. 09. 30.</a:t>
+              <a:t>2016. 10. 03.</a:t>
             </a:fld>
             <a:endParaRPr lang="hu-HU"/>
           </a:p>
@@ -5062,9 +5046,6 @@
               </a:rPr>
               <a:t>Csapatmunka kihívásai</a:t>
             </a:r>
-            <a:endParaRPr lang="hu-HU" dirty="0" smtClean="0">
-              <a:latin typeface="+mj-lt"/>
-            </a:endParaRPr>
           </a:p>
           <a:p>
             <a:r>
@@ -5073,22 +5054,49 @@
               </a:rPr>
               <a:t>Technológiák hiányos ismeretei</a:t>
             </a:r>
+          </a:p>
+          <a:p>
             <a:endParaRPr lang="hu-HU" dirty="0" smtClean="0">
               <a:latin typeface="+mj-lt"/>
             </a:endParaRPr>
           </a:p>
           <a:p>
-            <a:endParaRPr lang="hu-HU" dirty="0" smtClean="0">
-              <a:latin typeface="+mj-lt"/>
-            </a:endParaRPr>
-          </a:p>
-          <a:p>
             <a:endParaRPr lang="hu-HU" b="1" dirty="0" smtClean="0">
               <a:latin typeface="Berlin Sans FB Demi" panose="020E0802020502020306" pitchFamily="34" charset="0"/>
             </a:endParaRPr>
           </a:p>
         </p:txBody>
       </p:sp>
+      <p:pic>
+        <p:nvPicPr>
+          <p:cNvPr id="4" name="Kép 3"/>
+          <p:cNvPicPr>
+            <a:picLocks noChangeAspect="1"/>
+          </p:cNvPicPr>
+          <p:nvPr/>
+        </p:nvPicPr>
+        <p:blipFill>
+          <a:blip r:embed="rId3">
+            <a:extLst>
+              <a:ext uri="{28A0092B-C50C-407E-A947-70E740481C1C}">
+                <a14:useLocalDpi xmlns:a14="http://schemas.microsoft.com/office/drawing/2010/main" val="0"/>
+              </a:ext>
+            </a:extLst>
+          </a:blip>
+          <a:stretch>
+            <a:fillRect/>
+          </a:stretch>
+        </p:blipFill>
+        <p:spPr>
+          <a:xfrm>
+            <a:off x="6080760" y="1731288"/>
+            <a:ext cx="2641043" cy="2641043"/>
+          </a:xfrm>
+          <a:prstGeom prst="rect">
+            <a:avLst/>
+          </a:prstGeom>
+        </p:spPr>
+      </p:pic>
     </p:spTree>
     <p:extLst>
       <p:ext uri="{BB962C8B-B14F-4D97-AF65-F5344CB8AC3E}">
@@ -5120,7 +5128,7 @@
                             </p:stCondLst>
                             <p:childTnLst>
                               <p:par>
-                                <p:cTn id="5" presetID="2" presetClass="entr" presetSubtype="4" fill="hold" grpId="0" nodeType="clickEffect">
+                                <p:cTn id="5" presetID="31" presetClass="entr" presetSubtype="0" fill="hold" nodeType="clickEffect">
                                   <p:stCondLst>
                                     <p:cond delay="0"/>
                                   </p:stCondLst>
@@ -5128,6 +5136,128 @@
                                     <p:set>
                                       <p:cBhvr>
                                         <p:cTn id="6" dur="1" fill="hold">
+                                          <p:stCondLst>
+                                            <p:cond delay="0"/>
+                                          </p:stCondLst>
+                                        </p:cTn>
+                                        <p:tgtEl>
+                                          <p:spTgt spid="4"/>
+                                        </p:tgtEl>
+                                        <p:attrNameLst>
+                                          <p:attrName>style.visibility</p:attrName>
+                                        </p:attrNameLst>
+                                      </p:cBhvr>
+                                      <p:to>
+                                        <p:strVal val="visible"/>
+                                      </p:to>
+                                    </p:set>
+                                    <p:anim calcmode="lin" valueType="num">
+                                      <p:cBhvr>
+                                        <p:cTn id="7" dur="1000" fill="hold"/>
+                                        <p:tgtEl>
+                                          <p:spTgt spid="4"/>
+                                        </p:tgtEl>
+                                        <p:attrNameLst>
+                                          <p:attrName>ppt_w</p:attrName>
+                                        </p:attrNameLst>
+                                      </p:cBhvr>
+                                      <p:tavLst>
+                                        <p:tav tm="0">
+                                          <p:val>
+                                            <p:fltVal val="0"/>
+                                          </p:val>
+                                        </p:tav>
+                                        <p:tav tm="100000">
+                                          <p:val>
+                                            <p:strVal val="#ppt_w"/>
+                                          </p:val>
+                                        </p:tav>
+                                      </p:tavLst>
+                                    </p:anim>
+                                    <p:anim calcmode="lin" valueType="num">
+                                      <p:cBhvr>
+                                        <p:cTn id="8" dur="1000" fill="hold"/>
+                                        <p:tgtEl>
+                                          <p:spTgt spid="4"/>
+                                        </p:tgtEl>
+                                        <p:attrNameLst>
+                                          <p:attrName>ppt_h</p:attrName>
+                                        </p:attrNameLst>
+                                      </p:cBhvr>
+                                      <p:tavLst>
+                                        <p:tav tm="0">
+                                          <p:val>
+                                            <p:fltVal val="0"/>
+                                          </p:val>
+                                        </p:tav>
+                                        <p:tav tm="100000">
+                                          <p:val>
+                                            <p:strVal val="#ppt_h"/>
+                                          </p:val>
+                                        </p:tav>
+                                      </p:tavLst>
+                                    </p:anim>
+                                    <p:anim calcmode="lin" valueType="num">
+                                      <p:cBhvr>
+                                        <p:cTn id="9" dur="1000" fill="hold"/>
+                                        <p:tgtEl>
+                                          <p:spTgt spid="4"/>
+                                        </p:tgtEl>
+                                        <p:attrNameLst>
+                                          <p:attrName>style.rotation</p:attrName>
+                                        </p:attrNameLst>
+                                      </p:cBhvr>
+                                      <p:tavLst>
+                                        <p:tav tm="0">
+                                          <p:val>
+                                            <p:fltVal val="90"/>
+                                          </p:val>
+                                        </p:tav>
+                                        <p:tav tm="100000">
+                                          <p:val>
+                                            <p:fltVal val="0"/>
+                                          </p:val>
+                                        </p:tav>
+                                      </p:tavLst>
+                                    </p:anim>
+                                    <p:animEffect transition="in" filter="fade">
+                                      <p:cBhvr>
+                                        <p:cTn id="10" dur="1000"/>
+                                        <p:tgtEl>
+                                          <p:spTgt spid="4"/>
+                                        </p:tgtEl>
+                                      </p:cBhvr>
+                                    </p:animEffect>
+                                  </p:childTnLst>
+                                </p:cTn>
+                              </p:par>
+                            </p:childTnLst>
+                          </p:cTn>
+                        </p:par>
+                      </p:childTnLst>
+                    </p:cTn>
+                  </p:par>
+                  <p:par>
+                    <p:cTn id="11" fill="hold">
+                      <p:stCondLst>
+                        <p:cond delay="indefinite"/>
+                      </p:stCondLst>
+                      <p:childTnLst>
+                        <p:par>
+                          <p:cTn id="12" fill="hold">
+                            <p:stCondLst>
+                              <p:cond delay="0"/>
+                            </p:stCondLst>
+                            <p:childTnLst>
+                              <p:par>
+                                <p:cTn id="13" presetID="2" presetClass="entr" presetSubtype="4" fill="hold" grpId="0" nodeType="clickEffect">
+                                  <p:stCondLst>
+                                    <p:cond delay="0"/>
+                                  </p:stCondLst>
+                                  <p:childTnLst>
+                                    <p:set>
+                                      <p:cBhvr>
+                                        <p:cTn id="14" dur="1" fill="hold">
                                           <p:stCondLst>
                                             <p:cond delay="0"/>
                                           </p:stCondLst>
@@ -5149,7 +5279,7 @@
                                     </p:set>
                                     <p:anim calcmode="lin" valueType="num">
                                       <p:cBhvr additive="base">
-                                        <p:cTn id="7" dur="500" fill="hold"/>
+                                        <p:cTn id="15" dur="500" fill="hold"/>
                                         <p:tgtEl>
                                           <p:spTgt spid="3">
                                             <p:txEl>
@@ -5176,7 +5306,7 @@
                                     </p:anim>
                                     <p:anim calcmode="lin" valueType="num">
                                       <p:cBhvr additive="base">
-                                        <p:cTn id="8" dur="500" fill="hold"/>
+                                        <p:cTn id="16" dur="500" fill="hold"/>
                                         <p:tgtEl>
                                           <p:spTgt spid="3">
                                             <p:txEl>
@@ -5211,26 +5341,26 @@
                     </p:cTn>
                   </p:par>
                   <p:par>
-                    <p:cTn id="9" fill="hold">
+                    <p:cTn id="17" fill="hold">
                       <p:stCondLst>
                         <p:cond delay="indefinite"/>
                       </p:stCondLst>
                       <p:childTnLst>
                         <p:par>
-                          <p:cTn id="10" fill="hold">
+                          <p:cTn id="18" fill="hold">
                             <p:stCondLst>
                               <p:cond delay="0"/>
                             </p:stCondLst>
                             <p:childTnLst>
                               <p:par>
-                                <p:cTn id="11" presetID="2" presetClass="entr" presetSubtype="4" fill="hold" grpId="0" nodeType="clickEffect">
+                                <p:cTn id="19" presetID="2" presetClass="entr" presetSubtype="4" fill="hold" grpId="0" nodeType="clickEffect">
                                   <p:stCondLst>
                                     <p:cond delay="0"/>
                                   </p:stCondLst>
                                   <p:childTnLst>
                                     <p:set>
                                       <p:cBhvr>
-                                        <p:cTn id="12" dur="1" fill="hold">
+                                        <p:cTn id="20" dur="1" fill="hold">
                                           <p:stCondLst>
                                             <p:cond delay="0"/>
                                           </p:stCondLst>
@@ -5252,7 +5382,7 @@
                                     </p:set>
                                     <p:anim calcmode="lin" valueType="num">
                                       <p:cBhvr additive="base">
-                                        <p:cTn id="13" dur="500" fill="hold"/>
+                                        <p:cTn id="21" dur="500" fill="hold"/>
                                         <p:tgtEl>
                                           <p:spTgt spid="3">
                                             <p:txEl>
@@ -5279,7 +5409,7 @@
                                     </p:anim>
                                     <p:anim calcmode="lin" valueType="num">
                                       <p:cBhvr additive="base">
-                                        <p:cTn id="14" dur="500" fill="hold"/>
+                                        <p:cTn id="22" dur="500" fill="hold"/>
                                         <p:tgtEl>
                                           <p:spTgt spid="3">
                                             <p:txEl>
@@ -5314,26 +5444,26 @@
                     </p:cTn>
                   </p:par>
                   <p:par>
-                    <p:cTn id="15" fill="hold">
+                    <p:cTn id="23" fill="hold">
                       <p:stCondLst>
                         <p:cond delay="indefinite"/>
                       </p:stCondLst>
                       <p:childTnLst>
                         <p:par>
-                          <p:cTn id="16" fill="hold">
+                          <p:cTn id="24" fill="hold">
                             <p:stCondLst>
                               <p:cond delay="0"/>
                             </p:stCondLst>
                             <p:childTnLst>
                               <p:par>
-                                <p:cTn id="17" presetID="2" presetClass="entr" presetSubtype="4" fill="hold" grpId="0" nodeType="clickEffect">
+                                <p:cTn id="25" presetID="2" presetClass="entr" presetSubtype="4" fill="hold" grpId="0" nodeType="clickEffect">
                                   <p:stCondLst>
                                     <p:cond delay="0"/>
                                   </p:stCondLst>
                                   <p:childTnLst>
                                     <p:set>
                                       <p:cBhvr>
-                                        <p:cTn id="18" dur="1" fill="hold">
+                                        <p:cTn id="26" dur="1" fill="hold">
                                           <p:stCondLst>
                                             <p:cond delay="0"/>
                                           </p:stCondLst>
@@ -5355,7 +5485,7 @@
                                     </p:set>
                                     <p:anim calcmode="lin" valueType="num">
                                       <p:cBhvr additive="base">
-                                        <p:cTn id="19" dur="500" fill="hold"/>
+                                        <p:cTn id="27" dur="500" fill="hold"/>
                                         <p:tgtEl>
                                           <p:spTgt spid="3">
                                             <p:txEl>
@@ -5382,7 +5512,7 @@
                                     </p:anim>
                                     <p:anim calcmode="lin" valueType="num">
                                       <p:cBhvr additive="base">
-                                        <p:cTn id="20" dur="500" fill="hold"/>
+                                        <p:cTn id="28" dur="500" fill="hold"/>
                                         <p:tgtEl>
                                           <p:spTgt spid="3">
                                             <p:txEl>
@@ -5438,7 +5568,7 @@
       </p:par>
     </p:tnLst>
     <p:bldLst>
-      <p:bldP spid="3" grpId="0" build="p"/>
+      <p:bldP spid="3" grpId="0" uiExpand="1" build="p"/>
     </p:bldLst>
   </p:timing>
 </p:sld>
@@ -5505,7 +5635,7 @@
         </p:nvSpPr>
         <p:spPr>
           <a:xfrm>
-            <a:off x="628650" y="2077879"/>
+            <a:off x="628650" y="1679497"/>
             <a:ext cx="4309110" cy="3263504"/>
           </a:xfrm>
         </p:spPr>
@@ -5517,10 +5647,48 @@
               <a:rPr lang="hu-HU" dirty="0" smtClean="0"/>
               <a:t>Specifikációban megfogalmazott valamennyi technológia alkalmazása</a:t>
             </a:r>
+          </a:p>
+          <a:p>
+            <a:r>
+              <a:rPr lang="hu-HU" dirty="0" smtClean="0"/>
+              <a:t>Hatékony csapattagként működni</a:t>
+            </a:r>
+          </a:p>
+          <a:p>
             <a:endParaRPr lang="hu-HU" dirty="0"/>
           </a:p>
         </p:txBody>
       </p:sp>
+      <p:pic>
+        <p:nvPicPr>
+          <p:cNvPr id="3" name="Kép 2"/>
+          <p:cNvPicPr>
+            <a:picLocks noChangeAspect="1"/>
+          </p:cNvPicPr>
+          <p:nvPr/>
+        </p:nvPicPr>
+        <p:blipFill>
+          <a:blip r:embed="rId3">
+            <a:extLst>
+              <a:ext uri="{28A0092B-C50C-407E-A947-70E740481C1C}">
+                <a14:useLocalDpi xmlns:a14="http://schemas.microsoft.com/office/drawing/2010/main" val="0"/>
+              </a:ext>
+            </a:extLst>
+          </a:blip>
+          <a:stretch>
+            <a:fillRect/>
+          </a:stretch>
+        </p:blipFill>
+        <p:spPr>
+          <a:xfrm>
+            <a:off x="5995588" y="1679497"/>
+            <a:ext cx="2359741" cy="2926079"/>
+          </a:xfrm>
+          <a:prstGeom prst="rect">
+            <a:avLst/>
+          </a:prstGeom>
+        </p:spPr>
+      </p:pic>
     </p:spTree>
     <p:extLst>
       <p:ext uri="{BB962C8B-B14F-4D97-AF65-F5344CB8AC3E}">
@@ -5534,9 +5702,561 @@
   <p:timing>
     <p:tnLst>
       <p:par>
-        <p:cTn id="1" dur="indefinite" restart="never" nodeType="tmRoot"/>
+        <p:cTn id="1" dur="indefinite" restart="never" nodeType="tmRoot">
+          <p:childTnLst>
+            <p:seq concurrent="1" nextAc="seek">
+              <p:cTn id="2" dur="indefinite" nodeType="mainSeq">
+                <p:childTnLst>
+                  <p:par>
+                    <p:cTn id="3" fill="hold">
+                      <p:stCondLst>
+                        <p:cond delay="indefinite"/>
+                      </p:stCondLst>
+                      <p:childTnLst>
+                        <p:par>
+                          <p:cTn id="4" fill="hold">
+                            <p:stCondLst>
+                              <p:cond delay="0"/>
+                            </p:stCondLst>
+                            <p:childTnLst>
+                              <p:par>
+                                <p:cTn id="5" presetID="26" presetClass="entr" presetSubtype="0" fill="hold" nodeType="clickEffect">
+                                  <p:stCondLst>
+                                    <p:cond delay="0"/>
+                                  </p:stCondLst>
+                                  <p:childTnLst>
+                                    <p:set>
+                                      <p:cBhvr>
+                                        <p:cTn id="6" dur="1" fill="hold">
+                                          <p:stCondLst>
+                                            <p:cond delay="0"/>
+                                          </p:stCondLst>
+                                        </p:cTn>
+                                        <p:tgtEl>
+                                          <p:spTgt spid="3"/>
+                                        </p:tgtEl>
+                                        <p:attrNameLst>
+                                          <p:attrName>style.visibility</p:attrName>
+                                        </p:attrNameLst>
+                                      </p:cBhvr>
+                                      <p:to>
+                                        <p:strVal val="visible"/>
+                                      </p:to>
+                                    </p:set>
+                                    <p:animEffect transition="in" filter="wipe(down)">
+                                      <p:cBhvr>
+                                        <p:cTn id="7" dur="580">
+                                          <p:stCondLst>
+                                            <p:cond delay="0"/>
+                                          </p:stCondLst>
+                                        </p:cTn>
+                                        <p:tgtEl>
+                                          <p:spTgt spid="3"/>
+                                        </p:tgtEl>
+                                      </p:cBhvr>
+                                    </p:animEffect>
+                                    <p:anim calcmode="lin" valueType="num">
+                                      <p:cBhvr>
+                                        <p:cTn id="8" dur="1822" tmFilter="0,0; 0.14,0.36; 0.43,0.73; 0.71,0.91; 1.0,1.0">
+                                          <p:stCondLst>
+                                            <p:cond delay="0"/>
+                                          </p:stCondLst>
+                                        </p:cTn>
+                                        <p:tgtEl>
+                                          <p:spTgt spid="3"/>
+                                        </p:tgtEl>
+                                        <p:attrNameLst>
+                                          <p:attrName>ppt_x</p:attrName>
+                                        </p:attrNameLst>
+                                      </p:cBhvr>
+                                      <p:tavLst>
+                                        <p:tav tm="0">
+                                          <p:val>
+                                            <p:strVal val="#ppt_x-0.25"/>
+                                          </p:val>
+                                        </p:tav>
+                                        <p:tav tm="100000">
+                                          <p:val>
+                                            <p:strVal val="#ppt_x"/>
+                                          </p:val>
+                                        </p:tav>
+                                      </p:tavLst>
+                                    </p:anim>
+                                    <p:anim calcmode="lin" valueType="num">
+                                      <p:cBhvr>
+                                        <p:cTn id="9" dur="664" tmFilter="0.0,0.0; 0.25,0.07; 0.50,0.2; 0.75,0.467; 1.0,1.0">
+                                          <p:stCondLst>
+                                            <p:cond delay="0"/>
+                                          </p:stCondLst>
+                                        </p:cTn>
+                                        <p:tgtEl>
+                                          <p:spTgt spid="3"/>
+                                        </p:tgtEl>
+                                        <p:attrNameLst>
+                                          <p:attrName>ppt_y</p:attrName>
+                                        </p:attrNameLst>
+                                      </p:cBhvr>
+                                      <p:tavLst>
+                                        <p:tav tm="0" fmla="#ppt_y-sin(pi*$)/3">
+                                          <p:val>
+                                            <p:fltVal val="0.5"/>
+                                          </p:val>
+                                        </p:tav>
+                                        <p:tav tm="100000">
+                                          <p:val>
+                                            <p:fltVal val="1"/>
+                                          </p:val>
+                                        </p:tav>
+                                      </p:tavLst>
+                                    </p:anim>
+                                    <p:anim calcmode="lin" valueType="num">
+                                      <p:cBhvr>
+                                        <p:cTn id="10" dur="664" tmFilter="0, 0; 0.125,0.2665; 0.25,0.4; 0.375,0.465; 0.5,0.5;  0.625,0.535; 0.75,0.6; 0.875,0.7335; 1,1">
+                                          <p:stCondLst>
+                                            <p:cond delay="664"/>
+                                          </p:stCondLst>
+                                        </p:cTn>
+                                        <p:tgtEl>
+                                          <p:spTgt spid="3"/>
+                                        </p:tgtEl>
+                                        <p:attrNameLst>
+                                          <p:attrName>ppt_y</p:attrName>
+                                        </p:attrNameLst>
+                                      </p:cBhvr>
+                                      <p:tavLst>
+                                        <p:tav tm="0" fmla="#ppt_y-sin(pi*$)/9">
+                                          <p:val>
+                                            <p:fltVal val="0"/>
+                                          </p:val>
+                                        </p:tav>
+                                        <p:tav tm="100000">
+                                          <p:val>
+                                            <p:fltVal val="1"/>
+                                          </p:val>
+                                        </p:tav>
+                                      </p:tavLst>
+                                    </p:anim>
+                                    <p:anim calcmode="lin" valueType="num">
+                                      <p:cBhvr>
+                                        <p:cTn id="11" dur="332" tmFilter="0, 0; 0.125,0.2665; 0.25,0.4; 0.375,0.465; 0.5,0.5;  0.625,0.535; 0.75,0.6; 0.875,0.7335; 1,1">
+                                          <p:stCondLst>
+                                            <p:cond delay="1324"/>
+                                          </p:stCondLst>
+                                        </p:cTn>
+                                        <p:tgtEl>
+                                          <p:spTgt spid="3"/>
+                                        </p:tgtEl>
+                                        <p:attrNameLst>
+                                          <p:attrName>ppt_y</p:attrName>
+                                        </p:attrNameLst>
+                                      </p:cBhvr>
+                                      <p:tavLst>
+                                        <p:tav tm="0" fmla="#ppt_y-sin(pi*$)/27">
+                                          <p:val>
+                                            <p:fltVal val="0"/>
+                                          </p:val>
+                                        </p:tav>
+                                        <p:tav tm="100000">
+                                          <p:val>
+                                            <p:fltVal val="1"/>
+                                          </p:val>
+                                        </p:tav>
+                                      </p:tavLst>
+                                    </p:anim>
+                                    <p:anim calcmode="lin" valueType="num">
+                                      <p:cBhvr>
+                                        <p:cTn id="12" dur="164" tmFilter="0, 0; 0.125,0.2665; 0.25,0.4; 0.375,0.465; 0.5,0.5;  0.625,0.535; 0.75,0.6; 0.875,0.7335; 1,1">
+                                          <p:stCondLst>
+                                            <p:cond delay="1656"/>
+                                          </p:stCondLst>
+                                        </p:cTn>
+                                        <p:tgtEl>
+                                          <p:spTgt spid="3"/>
+                                        </p:tgtEl>
+                                        <p:attrNameLst>
+                                          <p:attrName>ppt_y</p:attrName>
+                                        </p:attrNameLst>
+                                      </p:cBhvr>
+                                      <p:tavLst>
+                                        <p:tav tm="0" fmla="#ppt_y-sin(pi*$)/81">
+                                          <p:val>
+                                            <p:fltVal val="0"/>
+                                          </p:val>
+                                        </p:tav>
+                                        <p:tav tm="100000">
+                                          <p:val>
+                                            <p:fltVal val="1"/>
+                                          </p:val>
+                                        </p:tav>
+                                      </p:tavLst>
+                                    </p:anim>
+                                    <p:animScale>
+                                      <p:cBhvr>
+                                        <p:cTn id="13" dur="26">
+                                          <p:stCondLst>
+                                            <p:cond delay="650"/>
+                                          </p:stCondLst>
+                                        </p:cTn>
+                                        <p:tgtEl>
+                                          <p:spTgt spid="3"/>
+                                        </p:tgtEl>
+                                      </p:cBhvr>
+                                      <p:to x="100000" y="60000"/>
+                                    </p:animScale>
+                                    <p:animScale>
+                                      <p:cBhvr>
+                                        <p:cTn id="14" dur="166" decel="50000">
+                                          <p:stCondLst>
+                                            <p:cond delay="676"/>
+                                          </p:stCondLst>
+                                        </p:cTn>
+                                        <p:tgtEl>
+                                          <p:spTgt spid="3"/>
+                                        </p:tgtEl>
+                                      </p:cBhvr>
+                                      <p:to x="100000" y="100000"/>
+                                    </p:animScale>
+                                    <p:animScale>
+                                      <p:cBhvr>
+                                        <p:cTn id="15" dur="26">
+                                          <p:stCondLst>
+                                            <p:cond delay="1312"/>
+                                          </p:stCondLst>
+                                        </p:cTn>
+                                        <p:tgtEl>
+                                          <p:spTgt spid="3"/>
+                                        </p:tgtEl>
+                                      </p:cBhvr>
+                                      <p:to x="100000" y="80000"/>
+                                    </p:animScale>
+                                    <p:animScale>
+                                      <p:cBhvr>
+                                        <p:cTn id="16" dur="166" decel="50000">
+                                          <p:stCondLst>
+                                            <p:cond delay="1338"/>
+                                          </p:stCondLst>
+                                        </p:cTn>
+                                        <p:tgtEl>
+                                          <p:spTgt spid="3"/>
+                                        </p:tgtEl>
+                                      </p:cBhvr>
+                                      <p:to x="100000" y="100000"/>
+                                    </p:animScale>
+                                    <p:animScale>
+                                      <p:cBhvr>
+                                        <p:cTn id="17" dur="26">
+                                          <p:stCondLst>
+                                            <p:cond delay="1642"/>
+                                          </p:stCondLst>
+                                        </p:cTn>
+                                        <p:tgtEl>
+                                          <p:spTgt spid="3"/>
+                                        </p:tgtEl>
+                                      </p:cBhvr>
+                                      <p:to x="100000" y="90000"/>
+                                    </p:animScale>
+                                    <p:animScale>
+                                      <p:cBhvr>
+                                        <p:cTn id="18" dur="166" decel="50000">
+                                          <p:stCondLst>
+                                            <p:cond delay="1668"/>
+                                          </p:stCondLst>
+                                        </p:cTn>
+                                        <p:tgtEl>
+                                          <p:spTgt spid="3"/>
+                                        </p:tgtEl>
+                                      </p:cBhvr>
+                                      <p:to x="100000" y="100000"/>
+                                    </p:animScale>
+                                    <p:animScale>
+                                      <p:cBhvr>
+                                        <p:cTn id="19" dur="26">
+                                          <p:stCondLst>
+                                            <p:cond delay="1808"/>
+                                          </p:stCondLst>
+                                        </p:cTn>
+                                        <p:tgtEl>
+                                          <p:spTgt spid="3"/>
+                                        </p:tgtEl>
+                                      </p:cBhvr>
+                                      <p:to x="100000" y="95000"/>
+                                    </p:animScale>
+                                    <p:animScale>
+                                      <p:cBhvr>
+                                        <p:cTn id="20" dur="166" decel="50000">
+                                          <p:stCondLst>
+                                            <p:cond delay="1834"/>
+                                          </p:stCondLst>
+                                        </p:cTn>
+                                        <p:tgtEl>
+                                          <p:spTgt spid="3"/>
+                                        </p:tgtEl>
+                                      </p:cBhvr>
+                                      <p:to x="100000" y="100000"/>
+                                    </p:animScale>
+                                  </p:childTnLst>
+                                </p:cTn>
+                              </p:par>
+                            </p:childTnLst>
+                          </p:cTn>
+                        </p:par>
+                      </p:childTnLst>
+                    </p:cTn>
+                  </p:par>
+                  <p:par>
+                    <p:cTn id="21" fill="hold">
+                      <p:stCondLst>
+                        <p:cond delay="indefinite"/>
+                      </p:stCondLst>
+                      <p:childTnLst>
+                        <p:par>
+                          <p:cTn id="22" fill="hold">
+                            <p:stCondLst>
+                              <p:cond delay="0"/>
+                            </p:stCondLst>
+                            <p:childTnLst>
+                              <p:par>
+                                <p:cTn id="23" presetID="42" presetClass="entr" presetSubtype="0" fill="hold" grpId="0" nodeType="clickEffect">
+                                  <p:stCondLst>
+                                    <p:cond delay="0"/>
+                                  </p:stCondLst>
+                                  <p:childTnLst>
+                                    <p:set>
+                                      <p:cBhvr>
+                                        <p:cTn id="24" dur="1" fill="hold">
+                                          <p:stCondLst>
+                                            <p:cond delay="0"/>
+                                          </p:stCondLst>
+                                        </p:cTn>
+                                        <p:tgtEl>
+                                          <p:spTgt spid="4">
+                                            <p:txEl>
+                                              <p:pRg st="0" end="0"/>
+                                            </p:txEl>
+                                          </p:spTgt>
+                                        </p:tgtEl>
+                                        <p:attrNameLst>
+                                          <p:attrName>style.visibility</p:attrName>
+                                        </p:attrNameLst>
+                                      </p:cBhvr>
+                                      <p:to>
+                                        <p:strVal val="visible"/>
+                                      </p:to>
+                                    </p:set>
+                                    <p:animEffect transition="in" filter="fade">
+                                      <p:cBhvr>
+                                        <p:cTn id="25" dur="1000"/>
+                                        <p:tgtEl>
+                                          <p:spTgt spid="4">
+                                            <p:txEl>
+                                              <p:pRg st="0" end="0"/>
+                                            </p:txEl>
+                                          </p:spTgt>
+                                        </p:tgtEl>
+                                      </p:cBhvr>
+                                    </p:animEffect>
+                                    <p:anim calcmode="lin" valueType="num">
+                                      <p:cBhvr>
+                                        <p:cTn id="26" dur="1000" fill="hold"/>
+                                        <p:tgtEl>
+                                          <p:spTgt spid="4">
+                                            <p:txEl>
+                                              <p:pRg st="0" end="0"/>
+                                            </p:txEl>
+                                          </p:spTgt>
+                                        </p:tgtEl>
+                                        <p:attrNameLst>
+                                          <p:attrName>ppt_x</p:attrName>
+                                        </p:attrNameLst>
+                                      </p:cBhvr>
+                                      <p:tavLst>
+                                        <p:tav tm="0">
+                                          <p:val>
+                                            <p:strVal val="#ppt_x"/>
+                                          </p:val>
+                                        </p:tav>
+                                        <p:tav tm="100000">
+                                          <p:val>
+                                            <p:strVal val="#ppt_x"/>
+                                          </p:val>
+                                        </p:tav>
+                                      </p:tavLst>
+                                    </p:anim>
+                                    <p:anim calcmode="lin" valueType="num">
+                                      <p:cBhvr>
+                                        <p:cTn id="27" dur="1000" fill="hold"/>
+                                        <p:tgtEl>
+                                          <p:spTgt spid="4">
+                                            <p:txEl>
+                                              <p:pRg st="0" end="0"/>
+                                            </p:txEl>
+                                          </p:spTgt>
+                                        </p:tgtEl>
+                                        <p:attrNameLst>
+                                          <p:attrName>ppt_y</p:attrName>
+                                        </p:attrNameLst>
+                                      </p:cBhvr>
+                                      <p:tavLst>
+                                        <p:tav tm="0">
+                                          <p:val>
+                                            <p:strVal val="#ppt_y+.1"/>
+                                          </p:val>
+                                        </p:tav>
+                                        <p:tav tm="100000">
+                                          <p:val>
+                                            <p:strVal val="#ppt_y"/>
+                                          </p:val>
+                                        </p:tav>
+                                      </p:tavLst>
+                                    </p:anim>
+                                  </p:childTnLst>
+                                </p:cTn>
+                              </p:par>
+                            </p:childTnLst>
+                          </p:cTn>
+                        </p:par>
+                      </p:childTnLst>
+                    </p:cTn>
+                  </p:par>
+                  <p:par>
+                    <p:cTn id="28" fill="hold">
+                      <p:stCondLst>
+                        <p:cond delay="indefinite"/>
+                      </p:stCondLst>
+                      <p:childTnLst>
+                        <p:par>
+                          <p:cTn id="29" fill="hold">
+                            <p:stCondLst>
+                              <p:cond delay="0"/>
+                            </p:stCondLst>
+                            <p:childTnLst>
+                              <p:par>
+                                <p:cTn id="30" presetID="42" presetClass="entr" presetSubtype="0" fill="hold" grpId="0" nodeType="clickEffect">
+                                  <p:stCondLst>
+                                    <p:cond delay="0"/>
+                                  </p:stCondLst>
+                                  <p:childTnLst>
+                                    <p:set>
+                                      <p:cBhvr>
+                                        <p:cTn id="31" dur="1" fill="hold">
+                                          <p:stCondLst>
+                                            <p:cond delay="0"/>
+                                          </p:stCondLst>
+                                        </p:cTn>
+                                        <p:tgtEl>
+                                          <p:spTgt spid="4">
+                                            <p:txEl>
+                                              <p:pRg st="1" end="1"/>
+                                            </p:txEl>
+                                          </p:spTgt>
+                                        </p:tgtEl>
+                                        <p:attrNameLst>
+                                          <p:attrName>style.visibility</p:attrName>
+                                        </p:attrNameLst>
+                                      </p:cBhvr>
+                                      <p:to>
+                                        <p:strVal val="visible"/>
+                                      </p:to>
+                                    </p:set>
+                                    <p:animEffect transition="in" filter="fade">
+                                      <p:cBhvr>
+                                        <p:cTn id="32" dur="1000"/>
+                                        <p:tgtEl>
+                                          <p:spTgt spid="4">
+                                            <p:txEl>
+                                              <p:pRg st="1" end="1"/>
+                                            </p:txEl>
+                                          </p:spTgt>
+                                        </p:tgtEl>
+                                      </p:cBhvr>
+                                    </p:animEffect>
+                                    <p:anim calcmode="lin" valueType="num">
+                                      <p:cBhvr>
+                                        <p:cTn id="33" dur="1000" fill="hold"/>
+                                        <p:tgtEl>
+                                          <p:spTgt spid="4">
+                                            <p:txEl>
+                                              <p:pRg st="1" end="1"/>
+                                            </p:txEl>
+                                          </p:spTgt>
+                                        </p:tgtEl>
+                                        <p:attrNameLst>
+                                          <p:attrName>ppt_x</p:attrName>
+                                        </p:attrNameLst>
+                                      </p:cBhvr>
+                                      <p:tavLst>
+                                        <p:tav tm="0">
+                                          <p:val>
+                                            <p:strVal val="#ppt_x"/>
+                                          </p:val>
+                                        </p:tav>
+                                        <p:tav tm="100000">
+                                          <p:val>
+                                            <p:strVal val="#ppt_x"/>
+                                          </p:val>
+                                        </p:tav>
+                                      </p:tavLst>
+                                    </p:anim>
+                                    <p:anim calcmode="lin" valueType="num">
+                                      <p:cBhvr>
+                                        <p:cTn id="34" dur="1000" fill="hold"/>
+                                        <p:tgtEl>
+                                          <p:spTgt spid="4">
+                                            <p:txEl>
+                                              <p:pRg st="1" end="1"/>
+                                            </p:txEl>
+                                          </p:spTgt>
+                                        </p:tgtEl>
+                                        <p:attrNameLst>
+                                          <p:attrName>ppt_y</p:attrName>
+                                        </p:attrNameLst>
+                                      </p:cBhvr>
+                                      <p:tavLst>
+                                        <p:tav tm="0">
+                                          <p:val>
+                                            <p:strVal val="#ppt_y+.1"/>
+                                          </p:val>
+                                        </p:tav>
+                                        <p:tav tm="100000">
+                                          <p:val>
+                                            <p:strVal val="#ppt_y"/>
+                                          </p:val>
+                                        </p:tav>
+                                      </p:tavLst>
+                                    </p:anim>
+                                  </p:childTnLst>
+                                </p:cTn>
+                              </p:par>
+                            </p:childTnLst>
+                          </p:cTn>
+                        </p:par>
+                      </p:childTnLst>
+                    </p:cTn>
+                  </p:par>
+                </p:childTnLst>
+              </p:cTn>
+              <p:prevCondLst>
+                <p:cond evt="onPrev" delay="0">
+                  <p:tgtEl>
+                    <p:sldTgt/>
+                  </p:tgtEl>
+                </p:cond>
+              </p:prevCondLst>
+              <p:nextCondLst>
+                <p:cond evt="onNext" delay="0">
+                  <p:tgtEl>
+                    <p:sldTgt/>
+                  </p:tgtEl>
+                </p:cond>
+              </p:nextCondLst>
+            </p:seq>
+          </p:childTnLst>
+        </p:cTn>
       </p:par>
     </p:tnLst>
+    <p:bldLst>
+      <p:bldP spid="4" grpId="0" build="p"/>
+    </p:bldLst>
   </p:timing>
 </p:sld>
 </file>
@@ -5617,15 +6337,7 @@
             </a:pPr>
             <a:r>
               <a:rPr lang="hu-HU" dirty="0" smtClean="0"/>
-              <a:t>Adatbázis </a:t>
-            </a:r>
-            <a:r>
-              <a:rPr lang="hu-HU" dirty="0" smtClean="0"/>
-              <a:t>séma </a:t>
-            </a:r>
-            <a:r>
-              <a:rPr lang="hu-HU" dirty="0" smtClean="0"/>
-              <a:t>kialakítása</a:t>
+              <a:t>Adatbázis séma kialakítása</a:t>
             </a:r>
           </a:p>
           <a:p>
@@ -6555,7 +7267,6 @@
               <a:rPr lang="hu-HU" dirty="0"/>
               <a:t>oldalon</a:t>
             </a:r>
-            <a:endParaRPr lang="hu-HU" dirty="0"/>
           </a:p>
         </p:txBody>
       </p:sp>
@@ -6864,7 +7575,7 @@
                             </p:stCondLst>
                             <p:childTnLst>
                               <p:par>
-                                <p:cTn id="19" presetID="42" presetClass="entr" presetSubtype="0" fill="hold" nodeType="clickEffect">
+                                <p:cTn id="19" presetID="53" presetClass="entr" presetSubtype="16" fill="hold" grpId="0" nodeType="clickEffect">
                                   <p:stCondLst>
                                     <p:cond delay="0"/>
                                   </p:stCondLst>
@@ -6877,6 +7588,121 @@
                                           </p:stCondLst>
                                         </p:cTn>
                                         <p:tgtEl>
+                                          <p:spTgt spid="4">
+                                            <p:txEl>
+                                              <p:pRg st="1" end="1"/>
+                                            </p:txEl>
+                                          </p:spTgt>
+                                        </p:tgtEl>
+                                        <p:attrNameLst>
+                                          <p:attrName>style.visibility</p:attrName>
+                                        </p:attrNameLst>
+                                      </p:cBhvr>
+                                      <p:to>
+                                        <p:strVal val="visible"/>
+                                      </p:to>
+                                    </p:set>
+                                    <p:anim calcmode="lin" valueType="num">
+                                      <p:cBhvr>
+                                        <p:cTn id="21" dur="500" fill="hold"/>
+                                        <p:tgtEl>
+                                          <p:spTgt spid="4">
+                                            <p:txEl>
+                                              <p:pRg st="1" end="1"/>
+                                            </p:txEl>
+                                          </p:spTgt>
+                                        </p:tgtEl>
+                                        <p:attrNameLst>
+                                          <p:attrName>ppt_w</p:attrName>
+                                        </p:attrNameLst>
+                                      </p:cBhvr>
+                                      <p:tavLst>
+                                        <p:tav tm="0">
+                                          <p:val>
+                                            <p:fltVal val="0"/>
+                                          </p:val>
+                                        </p:tav>
+                                        <p:tav tm="100000">
+                                          <p:val>
+                                            <p:strVal val="#ppt_w"/>
+                                          </p:val>
+                                        </p:tav>
+                                      </p:tavLst>
+                                    </p:anim>
+                                    <p:anim calcmode="lin" valueType="num">
+                                      <p:cBhvr>
+                                        <p:cTn id="22" dur="500" fill="hold"/>
+                                        <p:tgtEl>
+                                          <p:spTgt spid="4">
+                                            <p:txEl>
+                                              <p:pRg st="1" end="1"/>
+                                            </p:txEl>
+                                          </p:spTgt>
+                                        </p:tgtEl>
+                                        <p:attrNameLst>
+                                          <p:attrName>ppt_h</p:attrName>
+                                        </p:attrNameLst>
+                                      </p:cBhvr>
+                                      <p:tavLst>
+                                        <p:tav tm="0">
+                                          <p:val>
+                                            <p:fltVal val="0"/>
+                                          </p:val>
+                                        </p:tav>
+                                        <p:tav tm="100000">
+                                          <p:val>
+                                            <p:strVal val="#ppt_h"/>
+                                          </p:val>
+                                        </p:tav>
+                                      </p:tavLst>
+                                    </p:anim>
+                                    <p:animEffect transition="in" filter="fade">
+                                      <p:cBhvr>
+                                        <p:cTn id="23" dur="500"/>
+                                        <p:tgtEl>
+                                          <p:spTgt spid="4">
+                                            <p:txEl>
+                                              <p:pRg st="1" end="1"/>
+                                            </p:txEl>
+                                          </p:spTgt>
+                                        </p:tgtEl>
+                                      </p:cBhvr>
+                                    </p:animEffect>
+                                  </p:childTnLst>
+                                </p:cTn>
+                              </p:par>
+                            </p:childTnLst>
+                          </p:cTn>
+                        </p:par>
+                      </p:childTnLst>
+                    </p:cTn>
+                  </p:par>
+                  <p:par>
+                    <p:cTn id="24" fill="hold">
+                      <p:stCondLst>
+                        <p:cond delay="indefinite"/>
+                      </p:stCondLst>
+                      <p:childTnLst>
+                        <p:par>
+                          <p:cTn id="25" fill="hold">
+                            <p:stCondLst>
+                              <p:cond delay="0"/>
+                            </p:stCondLst>
+                            <p:childTnLst>
+                              <p:par>
+                                <p:cTn id="26" presetID="42" presetClass="entr" presetSubtype="0" fill="hold" nodeType="clickEffect">
+                                  <p:stCondLst>
+                                    <p:cond delay="0"/>
+                                  </p:stCondLst>
+                                  <p:childTnLst>
+                                    <p:set>
+                                      <p:cBhvr>
+                                        <p:cTn id="27" dur="1" fill="hold">
+                                          <p:stCondLst>
+                                            <p:cond delay="0"/>
+                                          </p:stCondLst>
+                                        </p:cTn>
+                                        <p:tgtEl>
                                           <p:spTgt spid="3"/>
                                         </p:tgtEl>
                                         <p:attrNameLst>
@@ -6889,7 +7715,7 @@
                                     </p:set>
                                     <p:animEffect transition="in" filter="fade">
                                       <p:cBhvr>
-                                        <p:cTn id="21" dur="1000"/>
+                                        <p:cTn id="28" dur="1000"/>
                                         <p:tgtEl>
                                           <p:spTgt spid="3"/>
                                         </p:tgtEl>
@@ -6897,7 +7723,7 @@
                                     </p:animEffect>
                                     <p:anim calcmode="lin" valueType="num">
                                       <p:cBhvr>
-                                        <p:cTn id="22" dur="1000" fill="hold"/>
+                                        <p:cTn id="29" dur="1000" fill="hold"/>
                                         <p:tgtEl>
                                           <p:spTgt spid="3"/>
                                         </p:tgtEl>
@@ -6920,7 +7746,7 @@
                                     </p:anim>
                                     <p:anim calcmode="lin" valueType="num">
                                       <p:cBhvr>
-                                        <p:cTn id="23" dur="1000" fill="hold"/>
+                                        <p:cTn id="30" dur="1000" fill="hold"/>
                                         <p:tgtEl>
                                           <p:spTgt spid="3"/>
                                         </p:tgtEl>
@@ -7327,12 +8153,39 @@
               </a:rPr>
               <a:t>Hatékony probléma megoldás</a:t>
             </a:r>
-            <a:endParaRPr lang="hu-HU" dirty="0" smtClean="0">
-              <a:latin typeface="+mj-lt"/>
-            </a:endParaRPr>
-          </a:p>
-        </p:txBody>
-      </p:sp>
+          </a:p>
+        </p:txBody>
+      </p:sp>
+      <p:pic>
+        <p:nvPicPr>
+          <p:cNvPr id="4" name="Kép 3"/>
+          <p:cNvPicPr>
+            <a:picLocks noChangeAspect="1"/>
+          </p:cNvPicPr>
+          <p:nvPr/>
+        </p:nvPicPr>
+        <p:blipFill>
+          <a:blip r:embed="rId3" cstate="print">
+            <a:extLst>
+              <a:ext uri="{28A0092B-C50C-407E-A947-70E740481C1C}">
+                <a14:useLocalDpi xmlns:a14="http://schemas.microsoft.com/office/drawing/2010/main" val="0"/>
+              </a:ext>
+            </a:extLst>
+          </a:blip>
+          <a:stretch>
+            <a:fillRect/>
+          </a:stretch>
+        </p:blipFill>
+        <p:spPr>
+          <a:xfrm>
+            <a:off x="4767945" y="1779986"/>
+            <a:ext cx="4376055" cy="2297429"/>
+          </a:xfrm>
+          <a:prstGeom prst="rect">
+            <a:avLst/>
+          </a:prstGeom>
+        </p:spPr>
+      </p:pic>
     </p:spTree>
     <p:extLst>
       <p:ext uri="{BB962C8B-B14F-4D97-AF65-F5344CB8AC3E}">
@@ -7346,9 +8199,617 @@
   <p:timing>
     <p:tnLst>
       <p:par>
-        <p:cTn id="1" dur="indefinite" restart="never" nodeType="tmRoot"/>
+        <p:cTn id="1" dur="indefinite" restart="never" nodeType="tmRoot">
+          <p:childTnLst>
+            <p:seq concurrent="1" nextAc="seek">
+              <p:cTn id="2" dur="indefinite" nodeType="mainSeq">
+                <p:childTnLst>
+                  <p:par>
+                    <p:cTn id="3" fill="hold">
+                      <p:stCondLst>
+                        <p:cond delay="indefinite"/>
+                      </p:stCondLst>
+                      <p:childTnLst>
+                        <p:par>
+                          <p:cTn id="4" fill="hold">
+                            <p:stCondLst>
+                              <p:cond delay="0"/>
+                            </p:stCondLst>
+                            <p:childTnLst>
+                              <p:par>
+                                <p:cTn id="5" presetID="31" presetClass="entr" presetSubtype="0" fill="hold" nodeType="clickEffect">
+                                  <p:stCondLst>
+                                    <p:cond delay="0"/>
+                                  </p:stCondLst>
+                                  <p:childTnLst>
+                                    <p:set>
+                                      <p:cBhvr>
+                                        <p:cTn id="6" dur="1" fill="hold">
+                                          <p:stCondLst>
+                                            <p:cond delay="0"/>
+                                          </p:stCondLst>
+                                        </p:cTn>
+                                        <p:tgtEl>
+                                          <p:spTgt spid="4"/>
+                                        </p:tgtEl>
+                                        <p:attrNameLst>
+                                          <p:attrName>style.visibility</p:attrName>
+                                        </p:attrNameLst>
+                                      </p:cBhvr>
+                                      <p:to>
+                                        <p:strVal val="visible"/>
+                                      </p:to>
+                                    </p:set>
+                                    <p:anim calcmode="lin" valueType="num">
+                                      <p:cBhvr>
+                                        <p:cTn id="7" dur="1000" fill="hold"/>
+                                        <p:tgtEl>
+                                          <p:spTgt spid="4"/>
+                                        </p:tgtEl>
+                                        <p:attrNameLst>
+                                          <p:attrName>ppt_w</p:attrName>
+                                        </p:attrNameLst>
+                                      </p:cBhvr>
+                                      <p:tavLst>
+                                        <p:tav tm="0">
+                                          <p:val>
+                                            <p:fltVal val="0"/>
+                                          </p:val>
+                                        </p:tav>
+                                        <p:tav tm="100000">
+                                          <p:val>
+                                            <p:strVal val="#ppt_w"/>
+                                          </p:val>
+                                        </p:tav>
+                                      </p:tavLst>
+                                    </p:anim>
+                                    <p:anim calcmode="lin" valueType="num">
+                                      <p:cBhvr>
+                                        <p:cTn id="8" dur="1000" fill="hold"/>
+                                        <p:tgtEl>
+                                          <p:spTgt spid="4"/>
+                                        </p:tgtEl>
+                                        <p:attrNameLst>
+                                          <p:attrName>ppt_h</p:attrName>
+                                        </p:attrNameLst>
+                                      </p:cBhvr>
+                                      <p:tavLst>
+                                        <p:tav tm="0">
+                                          <p:val>
+                                            <p:fltVal val="0"/>
+                                          </p:val>
+                                        </p:tav>
+                                        <p:tav tm="100000">
+                                          <p:val>
+                                            <p:strVal val="#ppt_h"/>
+                                          </p:val>
+                                        </p:tav>
+                                      </p:tavLst>
+                                    </p:anim>
+                                    <p:anim calcmode="lin" valueType="num">
+                                      <p:cBhvr>
+                                        <p:cTn id="9" dur="1000" fill="hold"/>
+                                        <p:tgtEl>
+                                          <p:spTgt spid="4"/>
+                                        </p:tgtEl>
+                                        <p:attrNameLst>
+                                          <p:attrName>style.rotation</p:attrName>
+                                        </p:attrNameLst>
+                                      </p:cBhvr>
+                                      <p:tavLst>
+                                        <p:tav tm="0">
+                                          <p:val>
+                                            <p:fltVal val="90"/>
+                                          </p:val>
+                                        </p:tav>
+                                        <p:tav tm="100000">
+                                          <p:val>
+                                            <p:fltVal val="0"/>
+                                          </p:val>
+                                        </p:tav>
+                                      </p:tavLst>
+                                    </p:anim>
+                                    <p:animEffect transition="in" filter="fade">
+                                      <p:cBhvr>
+                                        <p:cTn id="10" dur="1000"/>
+                                        <p:tgtEl>
+                                          <p:spTgt spid="4"/>
+                                        </p:tgtEl>
+                                      </p:cBhvr>
+                                    </p:animEffect>
+                                  </p:childTnLst>
+                                </p:cTn>
+                              </p:par>
+                            </p:childTnLst>
+                          </p:cTn>
+                        </p:par>
+                      </p:childTnLst>
+                    </p:cTn>
+                  </p:par>
+                  <p:par>
+                    <p:cTn id="11" fill="hold">
+                      <p:stCondLst>
+                        <p:cond delay="indefinite"/>
+                      </p:stCondLst>
+                      <p:childTnLst>
+                        <p:par>
+                          <p:cTn id="12" fill="hold">
+                            <p:stCondLst>
+                              <p:cond delay="0"/>
+                            </p:stCondLst>
+                            <p:childTnLst>
+                              <p:par>
+                                <p:cTn id="13" presetID="42" presetClass="entr" presetSubtype="0" fill="hold" grpId="0" nodeType="clickEffect">
+                                  <p:stCondLst>
+                                    <p:cond delay="0"/>
+                                  </p:stCondLst>
+                                  <p:childTnLst>
+                                    <p:set>
+                                      <p:cBhvr>
+                                        <p:cTn id="14" dur="1" fill="hold">
+                                          <p:stCondLst>
+                                            <p:cond delay="0"/>
+                                          </p:stCondLst>
+                                        </p:cTn>
+                                        <p:tgtEl>
+                                          <p:spTgt spid="3">
+                                            <p:txEl>
+                                              <p:pRg st="0" end="0"/>
+                                            </p:txEl>
+                                          </p:spTgt>
+                                        </p:tgtEl>
+                                        <p:attrNameLst>
+                                          <p:attrName>style.visibility</p:attrName>
+                                        </p:attrNameLst>
+                                      </p:cBhvr>
+                                      <p:to>
+                                        <p:strVal val="visible"/>
+                                      </p:to>
+                                    </p:set>
+                                    <p:animEffect transition="in" filter="fade">
+                                      <p:cBhvr>
+                                        <p:cTn id="15" dur="1000"/>
+                                        <p:tgtEl>
+                                          <p:spTgt spid="3">
+                                            <p:txEl>
+                                              <p:pRg st="0" end="0"/>
+                                            </p:txEl>
+                                          </p:spTgt>
+                                        </p:tgtEl>
+                                      </p:cBhvr>
+                                    </p:animEffect>
+                                    <p:anim calcmode="lin" valueType="num">
+                                      <p:cBhvr>
+                                        <p:cTn id="16" dur="1000" fill="hold"/>
+                                        <p:tgtEl>
+                                          <p:spTgt spid="3">
+                                            <p:txEl>
+                                              <p:pRg st="0" end="0"/>
+                                            </p:txEl>
+                                          </p:spTgt>
+                                        </p:tgtEl>
+                                        <p:attrNameLst>
+                                          <p:attrName>ppt_x</p:attrName>
+                                        </p:attrNameLst>
+                                      </p:cBhvr>
+                                      <p:tavLst>
+                                        <p:tav tm="0">
+                                          <p:val>
+                                            <p:strVal val="#ppt_x"/>
+                                          </p:val>
+                                        </p:tav>
+                                        <p:tav tm="100000">
+                                          <p:val>
+                                            <p:strVal val="#ppt_x"/>
+                                          </p:val>
+                                        </p:tav>
+                                      </p:tavLst>
+                                    </p:anim>
+                                    <p:anim calcmode="lin" valueType="num">
+                                      <p:cBhvr>
+                                        <p:cTn id="17" dur="1000" fill="hold"/>
+                                        <p:tgtEl>
+                                          <p:spTgt spid="3">
+                                            <p:txEl>
+                                              <p:pRg st="0" end="0"/>
+                                            </p:txEl>
+                                          </p:spTgt>
+                                        </p:tgtEl>
+                                        <p:attrNameLst>
+                                          <p:attrName>ppt_y</p:attrName>
+                                        </p:attrNameLst>
+                                      </p:cBhvr>
+                                      <p:tavLst>
+                                        <p:tav tm="0">
+                                          <p:val>
+                                            <p:strVal val="#ppt_y+.1"/>
+                                          </p:val>
+                                        </p:tav>
+                                        <p:tav tm="100000">
+                                          <p:val>
+                                            <p:strVal val="#ppt_y"/>
+                                          </p:val>
+                                        </p:tav>
+                                      </p:tavLst>
+                                    </p:anim>
+                                  </p:childTnLst>
+                                </p:cTn>
+                              </p:par>
+                            </p:childTnLst>
+                          </p:cTn>
+                        </p:par>
+                      </p:childTnLst>
+                    </p:cTn>
+                  </p:par>
+                  <p:par>
+                    <p:cTn id="18" fill="hold">
+                      <p:stCondLst>
+                        <p:cond delay="indefinite"/>
+                      </p:stCondLst>
+                      <p:childTnLst>
+                        <p:par>
+                          <p:cTn id="19" fill="hold">
+                            <p:stCondLst>
+                              <p:cond delay="0"/>
+                            </p:stCondLst>
+                            <p:childTnLst>
+                              <p:par>
+                                <p:cTn id="20" presetID="42" presetClass="entr" presetSubtype="0" fill="hold" grpId="0" nodeType="clickEffect">
+                                  <p:stCondLst>
+                                    <p:cond delay="0"/>
+                                  </p:stCondLst>
+                                  <p:childTnLst>
+                                    <p:set>
+                                      <p:cBhvr>
+                                        <p:cTn id="21" dur="1" fill="hold">
+                                          <p:stCondLst>
+                                            <p:cond delay="0"/>
+                                          </p:stCondLst>
+                                        </p:cTn>
+                                        <p:tgtEl>
+                                          <p:spTgt spid="3">
+                                            <p:txEl>
+                                              <p:pRg st="1" end="1"/>
+                                            </p:txEl>
+                                          </p:spTgt>
+                                        </p:tgtEl>
+                                        <p:attrNameLst>
+                                          <p:attrName>style.visibility</p:attrName>
+                                        </p:attrNameLst>
+                                      </p:cBhvr>
+                                      <p:to>
+                                        <p:strVal val="visible"/>
+                                      </p:to>
+                                    </p:set>
+                                    <p:animEffect transition="in" filter="fade">
+                                      <p:cBhvr>
+                                        <p:cTn id="22" dur="1000"/>
+                                        <p:tgtEl>
+                                          <p:spTgt spid="3">
+                                            <p:txEl>
+                                              <p:pRg st="1" end="1"/>
+                                            </p:txEl>
+                                          </p:spTgt>
+                                        </p:tgtEl>
+                                      </p:cBhvr>
+                                    </p:animEffect>
+                                    <p:anim calcmode="lin" valueType="num">
+                                      <p:cBhvr>
+                                        <p:cTn id="23" dur="1000" fill="hold"/>
+                                        <p:tgtEl>
+                                          <p:spTgt spid="3">
+                                            <p:txEl>
+                                              <p:pRg st="1" end="1"/>
+                                            </p:txEl>
+                                          </p:spTgt>
+                                        </p:tgtEl>
+                                        <p:attrNameLst>
+                                          <p:attrName>ppt_x</p:attrName>
+                                        </p:attrNameLst>
+                                      </p:cBhvr>
+                                      <p:tavLst>
+                                        <p:tav tm="0">
+                                          <p:val>
+                                            <p:strVal val="#ppt_x"/>
+                                          </p:val>
+                                        </p:tav>
+                                        <p:tav tm="100000">
+                                          <p:val>
+                                            <p:strVal val="#ppt_x"/>
+                                          </p:val>
+                                        </p:tav>
+                                      </p:tavLst>
+                                    </p:anim>
+                                    <p:anim calcmode="lin" valueType="num">
+                                      <p:cBhvr>
+                                        <p:cTn id="24" dur="1000" fill="hold"/>
+                                        <p:tgtEl>
+                                          <p:spTgt spid="3">
+                                            <p:txEl>
+                                              <p:pRg st="1" end="1"/>
+                                            </p:txEl>
+                                          </p:spTgt>
+                                        </p:tgtEl>
+                                        <p:attrNameLst>
+                                          <p:attrName>ppt_y</p:attrName>
+                                        </p:attrNameLst>
+                                      </p:cBhvr>
+                                      <p:tavLst>
+                                        <p:tav tm="0">
+                                          <p:val>
+                                            <p:strVal val="#ppt_y+.1"/>
+                                          </p:val>
+                                        </p:tav>
+                                        <p:tav tm="100000">
+                                          <p:val>
+                                            <p:strVal val="#ppt_y"/>
+                                          </p:val>
+                                        </p:tav>
+                                      </p:tavLst>
+                                    </p:anim>
+                                  </p:childTnLst>
+                                </p:cTn>
+                              </p:par>
+                            </p:childTnLst>
+                          </p:cTn>
+                        </p:par>
+                      </p:childTnLst>
+                    </p:cTn>
+                  </p:par>
+                  <p:par>
+                    <p:cTn id="25" fill="hold">
+                      <p:stCondLst>
+                        <p:cond delay="indefinite"/>
+                      </p:stCondLst>
+                      <p:childTnLst>
+                        <p:par>
+                          <p:cTn id="26" fill="hold">
+                            <p:stCondLst>
+                              <p:cond delay="0"/>
+                            </p:stCondLst>
+                            <p:childTnLst>
+                              <p:par>
+                                <p:cTn id="27" presetID="42" presetClass="entr" presetSubtype="0" fill="hold" grpId="0" nodeType="clickEffect">
+                                  <p:stCondLst>
+                                    <p:cond delay="0"/>
+                                  </p:stCondLst>
+                                  <p:childTnLst>
+                                    <p:set>
+                                      <p:cBhvr>
+                                        <p:cTn id="28" dur="1" fill="hold">
+                                          <p:stCondLst>
+                                            <p:cond delay="0"/>
+                                          </p:stCondLst>
+                                        </p:cTn>
+                                        <p:tgtEl>
+                                          <p:spTgt spid="3">
+                                            <p:txEl>
+                                              <p:pRg st="2" end="2"/>
+                                            </p:txEl>
+                                          </p:spTgt>
+                                        </p:tgtEl>
+                                        <p:attrNameLst>
+                                          <p:attrName>style.visibility</p:attrName>
+                                        </p:attrNameLst>
+                                      </p:cBhvr>
+                                      <p:to>
+                                        <p:strVal val="visible"/>
+                                      </p:to>
+                                    </p:set>
+                                    <p:animEffect transition="in" filter="fade">
+                                      <p:cBhvr>
+                                        <p:cTn id="29" dur="1000"/>
+                                        <p:tgtEl>
+                                          <p:spTgt spid="3">
+                                            <p:txEl>
+                                              <p:pRg st="2" end="2"/>
+                                            </p:txEl>
+                                          </p:spTgt>
+                                        </p:tgtEl>
+                                      </p:cBhvr>
+                                    </p:animEffect>
+                                    <p:anim calcmode="lin" valueType="num">
+                                      <p:cBhvr>
+                                        <p:cTn id="30" dur="1000" fill="hold"/>
+                                        <p:tgtEl>
+                                          <p:spTgt spid="3">
+                                            <p:txEl>
+                                              <p:pRg st="2" end="2"/>
+                                            </p:txEl>
+                                          </p:spTgt>
+                                        </p:tgtEl>
+                                        <p:attrNameLst>
+                                          <p:attrName>ppt_x</p:attrName>
+                                        </p:attrNameLst>
+                                      </p:cBhvr>
+                                      <p:tavLst>
+                                        <p:tav tm="0">
+                                          <p:val>
+                                            <p:strVal val="#ppt_x"/>
+                                          </p:val>
+                                        </p:tav>
+                                        <p:tav tm="100000">
+                                          <p:val>
+                                            <p:strVal val="#ppt_x"/>
+                                          </p:val>
+                                        </p:tav>
+                                      </p:tavLst>
+                                    </p:anim>
+                                    <p:anim calcmode="lin" valueType="num">
+                                      <p:cBhvr>
+                                        <p:cTn id="31" dur="1000" fill="hold"/>
+                                        <p:tgtEl>
+                                          <p:spTgt spid="3">
+                                            <p:txEl>
+                                              <p:pRg st="2" end="2"/>
+                                            </p:txEl>
+                                          </p:spTgt>
+                                        </p:tgtEl>
+                                        <p:attrNameLst>
+                                          <p:attrName>ppt_y</p:attrName>
+                                        </p:attrNameLst>
+                                      </p:cBhvr>
+                                      <p:tavLst>
+                                        <p:tav tm="0">
+                                          <p:val>
+                                            <p:strVal val="#ppt_y+.1"/>
+                                          </p:val>
+                                        </p:tav>
+                                        <p:tav tm="100000">
+                                          <p:val>
+                                            <p:strVal val="#ppt_y"/>
+                                          </p:val>
+                                        </p:tav>
+                                      </p:tavLst>
+                                    </p:anim>
+                                  </p:childTnLst>
+                                </p:cTn>
+                              </p:par>
+                            </p:childTnLst>
+                          </p:cTn>
+                        </p:par>
+                      </p:childTnLst>
+                    </p:cTn>
+                  </p:par>
+                  <p:par>
+                    <p:cTn id="32" fill="hold">
+                      <p:stCondLst>
+                        <p:cond delay="indefinite"/>
+                      </p:stCondLst>
+                      <p:childTnLst>
+                        <p:par>
+                          <p:cTn id="33" fill="hold">
+                            <p:stCondLst>
+                              <p:cond delay="0"/>
+                            </p:stCondLst>
+                            <p:childTnLst>
+                              <p:par>
+                                <p:cTn id="34" presetID="42" presetClass="entr" presetSubtype="0" fill="hold" grpId="0" nodeType="clickEffect">
+                                  <p:stCondLst>
+                                    <p:cond delay="0"/>
+                                  </p:stCondLst>
+                                  <p:childTnLst>
+                                    <p:set>
+                                      <p:cBhvr>
+                                        <p:cTn id="35" dur="1" fill="hold">
+                                          <p:stCondLst>
+                                            <p:cond delay="0"/>
+                                          </p:stCondLst>
+                                        </p:cTn>
+                                        <p:tgtEl>
+                                          <p:spTgt spid="3">
+                                            <p:txEl>
+                                              <p:pRg st="3" end="3"/>
+                                            </p:txEl>
+                                          </p:spTgt>
+                                        </p:tgtEl>
+                                        <p:attrNameLst>
+                                          <p:attrName>style.visibility</p:attrName>
+                                        </p:attrNameLst>
+                                      </p:cBhvr>
+                                      <p:to>
+                                        <p:strVal val="visible"/>
+                                      </p:to>
+                                    </p:set>
+                                    <p:animEffect transition="in" filter="fade">
+                                      <p:cBhvr>
+                                        <p:cTn id="36" dur="1000"/>
+                                        <p:tgtEl>
+                                          <p:spTgt spid="3">
+                                            <p:txEl>
+                                              <p:pRg st="3" end="3"/>
+                                            </p:txEl>
+                                          </p:spTgt>
+                                        </p:tgtEl>
+                                      </p:cBhvr>
+                                    </p:animEffect>
+                                    <p:anim calcmode="lin" valueType="num">
+                                      <p:cBhvr>
+                                        <p:cTn id="37" dur="1000" fill="hold"/>
+                                        <p:tgtEl>
+                                          <p:spTgt spid="3">
+                                            <p:txEl>
+                                              <p:pRg st="3" end="3"/>
+                                            </p:txEl>
+                                          </p:spTgt>
+                                        </p:tgtEl>
+                                        <p:attrNameLst>
+                                          <p:attrName>ppt_x</p:attrName>
+                                        </p:attrNameLst>
+                                      </p:cBhvr>
+                                      <p:tavLst>
+                                        <p:tav tm="0">
+                                          <p:val>
+                                            <p:strVal val="#ppt_x"/>
+                                          </p:val>
+                                        </p:tav>
+                                        <p:tav tm="100000">
+                                          <p:val>
+                                            <p:strVal val="#ppt_x"/>
+                                          </p:val>
+                                        </p:tav>
+                                      </p:tavLst>
+                                    </p:anim>
+                                    <p:anim calcmode="lin" valueType="num">
+                                      <p:cBhvr>
+                                        <p:cTn id="38" dur="1000" fill="hold"/>
+                                        <p:tgtEl>
+                                          <p:spTgt spid="3">
+                                            <p:txEl>
+                                              <p:pRg st="3" end="3"/>
+                                            </p:txEl>
+                                          </p:spTgt>
+                                        </p:tgtEl>
+                                        <p:attrNameLst>
+                                          <p:attrName>ppt_y</p:attrName>
+                                        </p:attrNameLst>
+                                      </p:cBhvr>
+                                      <p:tavLst>
+                                        <p:tav tm="0">
+                                          <p:val>
+                                            <p:strVal val="#ppt_y+.1"/>
+                                          </p:val>
+                                        </p:tav>
+                                        <p:tav tm="100000">
+                                          <p:val>
+                                            <p:strVal val="#ppt_y"/>
+                                          </p:val>
+                                        </p:tav>
+                                      </p:tavLst>
+                                    </p:anim>
+                                  </p:childTnLst>
+                                </p:cTn>
+                              </p:par>
+                            </p:childTnLst>
+                          </p:cTn>
+                        </p:par>
+                      </p:childTnLst>
+                    </p:cTn>
+                  </p:par>
+                </p:childTnLst>
+              </p:cTn>
+              <p:prevCondLst>
+                <p:cond evt="onPrev" delay="0">
+                  <p:tgtEl>
+                    <p:sldTgt/>
+                  </p:tgtEl>
+                </p:cond>
+              </p:prevCondLst>
+              <p:nextCondLst>
+                <p:cond evt="onNext" delay="0">
+                  <p:tgtEl>
+                    <p:sldTgt/>
+                  </p:tgtEl>
+                </p:cond>
+              </p:nextCondLst>
+            </p:seq>
+          </p:childTnLst>
+        </p:cTn>
       </p:par>
     </p:tnLst>
+    <p:bldLst>
+      <p:bldP spid="3" grpId="0" uiExpand="1" build="p"/>
+    </p:bldLst>
   </p:timing>
 </p:sld>
 </file>
@@ -7882,15 +9343,6 @@
 </file>
 
 <file path=customXml/item2.xml><?xml version="1.0" encoding="utf-8"?>
-<?mso-contentType ?>
-<FormTemplates xmlns="http://schemas.microsoft.com/sharepoint/v3/contenttype/forms">
-  <Display>DocumentLibraryForm</Display>
-  <Edit>DocumentLibraryForm</Edit>
-  <New>DocumentLibraryForm</New>
-</FormTemplates>
-</file>
-
-<file path=customXml/item3.xml><?xml version="1.0" encoding="utf-8"?>
 <ct:contentTypeSchema xmlns:ct="http://schemas.microsoft.com/office/2006/metadata/contentType" xmlns:ma="http://schemas.microsoft.com/office/2006/metadata/properties/metaAttributes" ct:_="" ma:_="" ma:contentTypeName="Dokumentum" ma:contentTypeID="0x010100AC862C676857C24E8FC2D32B30708833" ma:contentTypeVersion="2" ma:contentTypeDescription="Új dokumentum létrehozása." ma:contentTypeScope="" ma:versionID="0d2981163f66270cf1daba8c3c407cc5">
   <xsd:schema xmlns:xsd="http://www.w3.org/2001/XMLSchema" xmlns:xs="http://www.w3.org/2001/XMLSchema" xmlns:p="http://schemas.microsoft.com/office/2006/metadata/properties" xmlns:ns2="9a324a02-be43-499b-8089-7896e70993e7" targetNamespace="http://schemas.microsoft.com/office/2006/metadata/properties" ma:root="true" ma:fieldsID="4ce273e9ed9981a51826152e27a7d1ee" ns2:_="">
     <xsd:import namespace="9a324a02-be43-499b-8089-7896e70993e7"/>
@@ -8038,6 +9490,15 @@
 </ct:contentTypeSchema>
 </file>
 
+<file path=customXml/item3.xml><?xml version="1.0" encoding="utf-8"?>
+<?mso-contentType ?>
+<FormTemplates xmlns="http://schemas.microsoft.com/sharepoint/v3/contenttype/forms">
+  <Display>DocumentLibraryForm</Display>
+  <Edit>DocumentLibraryForm</Edit>
+  <New>DocumentLibraryForm</New>
+</FormTemplates>
+</file>
+
 <file path=customXml/itemProps1.xml><?xml version="1.0" encoding="utf-8"?>
 <ds:datastoreItem xmlns:ds="http://schemas.openxmlformats.org/officeDocument/2006/customXml" ds:itemID="{8E1455B4-EFFE-4AEE-ADC2-FE51D16F6234}">
   <ds:schemaRefs>
@@ -8055,14 +9516,6 @@
 </file>
 
 <file path=customXml/itemProps2.xml><?xml version="1.0" encoding="utf-8"?>
-<ds:datastoreItem xmlns:ds="http://schemas.openxmlformats.org/officeDocument/2006/customXml" ds:itemID="{166AD069-051C-46FD-A0CD-BDE143FEA57D}">
-  <ds:schemaRefs>
-    <ds:schemaRef ds:uri="http://schemas.microsoft.com/sharepoint/v3/contenttype/forms"/>
-  </ds:schemaRefs>
-</ds:datastoreItem>
-</file>
-
-<file path=customXml/itemProps3.xml><?xml version="1.0" encoding="utf-8"?>
 <ds:datastoreItem xmlns:ds="http://schemas.openxmlformats.org/officeDocument/2006/customXml" ds:itemID="{37D0467E-9D91-4319-91FD-90E168EBF15D}">
   <ds:schemaRefs>
     <ds:schemaRef ds:uri="http://schemas.microsoft.com/office/2006/metadata/contentType"/>
@@ -8078,4 +9531,12 @@
     <ds:schemaRef ds:uri="http://schemas.microsoft.com/internal/obd"/>
   </ds:schemaRefs>
 </ds:datastoreItem>
+</file>
+
+<file path=customXml/itemProps3.xml><?xml version="1.0" encoding="utf-8"?>
+<ds:datastoreItem xmlns:ds="http://schemas.openxmlformats.org/officeDocument/2006/customXml" ds:itemID="{166AD069-051C-46FD-A0CD-BDE143FEA57D}">
+  <ds:schemaRefs>
+    <ds:schemaRef ds:uri="http://schemas.microsoft.com/sharepoint/v3/contenttype/forms"/>
+  </ds:schemaRefs>
+</ds:datastoreItem>
 </file>
--- a/presentations/venue/Sályi Szabolcs/prezi_JAVA_EE_SÁLYI_SZABOLCS_1.pptx
+++ b/presentations/venue/Sályi Szabolcs/prezi_JAVA_EE_SÁLYI_SZABOLCS_1.pptx
@@ -217,7 +217,7 @@
           <a:p>
             <a:fld id="{34B7386D-E71A-4684-8E1C-3322B0EF2753}" type="datetimeFigureOut">
               <a:rPr lang="hu-HU" smtClean="0"/>
-              <a:t>2016. 10. 03.</a:t>
+              <a:t>2016. 10. 10.</a:t>
             </a:fld>
             <a:endParaRPr lang="hu-HU"/>
           </a:p>
@@ -1325,13 +1325,8 @@
             </a:r>
             <a:r>
               <a:rPr lang="hu-HU" baseline="0" dirty="0" smtClean="0"/>
-              <a:t> tanult technológiák gyakorlatban való használata miatt. Végül de nem utolsó sorban a legfontosabb tapasztalat számomra a távolinak hitt akadályok </a:t>
-            </a:r>
-            <a:r>
-              <a:rPr lang="hu-HU" baseline="0" smtClean="0"/>
-              <a:t>hatékony problémák megoldása.</a:t>
-            </a:r>
-            <a:endParaRPr lang="hu-HU" baseline="0" dirty="0" smtClean="0"/>
+              <a:t> tanult technológiák gyakorlatban való használata miatt. Végül de nem utolsó sorban a legfontosabb tapasztalat számomra a távolinak hitt akadályok hatékony problémák megoldása.</a:t>
+            </a:r>
           </a:p>
         </p:txBody>
       </p:sp>
@@ -1502,7 +1497,7 @@
           <a:p>
             <a:fld id="{C6E8B002-83F0-41C5-A7B7-2819A96BD9B2}" type="datetimeFigureOut">
               <a:rPr lang="hu-HU" smtClean="0"/>
-              <a:t>2016. 10. 03.</a:t>
+              <a:t>2016. 10. 10.</a:t>
             </a:fld>
             <a:endParaRPr lang="hu-HU"/>
           </a:p>
@@ -1672,7 +1667,7 @@
           <a:p>
             <a:fld id="{C6E8B002-83F0-41C5-A7B7-2819A96BD9B2}" type="datetimeFigureOut">
               <a:rPr lang="hu-HU" smtClean="0"/>
-              <a:t>2016. 10. 03.</a:t>
+              <a:t>2016. 10. 10.</a:t>
             </a:fld>
             <a:endParaRPr lang="hu-HU"/>
           </a:p>
@@ -1852,7 +1847,7 @@
           <a:p>
             <a:fld id="{C6E8B002-83F0-41C5-A7B7-2819A96BD9B2}" type="datetimeFigureOut">
               <a:rPr lang="hu-HU" smtClean="0"/>
-              <a:t>2016. 10. 03.</a:t>
+              <a:t>2016. 10. 10.</a:t>
             </a:fld>
             <a:endParaRPr lang="hu-HU"/>
           </a:p>
@@ -2022,7 +2017,7 @@
           <a:p>
             <a:fld id="{C6E8B002-83F0-41C5-A7B7-2819A96BD9B2}" type="datetimeFigureOut">
               <a:rPr lang="hu-HU" smtClean="0"/>
-              <a:t>2016. 10. 03.</a:t>
+              <a:t>2016. 10. 10.</a:t>
             </a:fld>
             <a:endParaRPr lang="hu-HU"/>
           </a:p>
@@ -2266,7 +2261,7 @@
           <a:p>
             <a:fld id="{C6E8B002-83F0-41C5-A7B7-2819A96BD9B2}" type="datetimeFigureOut">
               <a:rPr lang="hu-HU" smtClean="0"/>
-              <a:t>2016. 10. 03.</a:t>
+              <a:t>2016. 10. 10.</a:t>
             </a:fld>
             <a:endParaRPr lang="hu-HU"/>
           </a:p>
@@ -2498,7 +2493,7 @@
           <a:p>
             <a:fld id="{C6E8B002-83F0-41C5-A7B7-2819A96BD9B2}" type="datetimeFigureOut">
               <a:rPr lang="hu-HU" smtClean="0"/>
-              <a:t>2016. 10. 03.</a:t>
+              <a:t>2016. 10. 10.</a:t>
             </a:fld>
             <a:endParaRPr lang="hu-HU"/>
           </a:p>
@@ -2865,7 +2860,7 @@
           <a:p>
             <a:fld id="{C6E8B002-83F0-41C5-A7B7-2819A96BD9B2}" type="datetimeFigureOut">
               <a:rPr lang="hu-HU" smtClean="0"/>
-              <a:t>2016. 10. 03.</a:t>
+              <a:t>2016. 10. 10.</a:t>
             </a:fld>
             <a:endParaRPr lang="hu-HU"/>
           </a:p>
@@ -2983,7 +2978,7 @@
           <a:p>
             <a:fld id="{C6E8B002-83F0-41C5-A7B7-2819A96BD9B2}" type="datetimeFigureOut">
               <a:rPr lang="hu-HU" smtClean="0"/>
-              <a:t>2016. 10. 03.</a:t>
+              <a:t>2016. 10. 10.</a:t>
             </a:fld>
             <a:endParaRPr lang="hu-HU"/>
           </a:p>
@@ -3078,7 +3073,7 @@
           <a:p>
             <a:fld id="{C6E8B002-83F0-41C5-A7B7-2819A96BD9B2}" type="datetimeFigureOut">
               <a:rPr lang="hu-HU" smtClean="0"/>
-              <a:t>2016. 10. 03.</a:t>
+              <a:t>2016. 10. 10.</a:t>
             </a:fld>
             <a:endParaRPr lang="hu-HU"/>
           </a:p>
@@ -3355,7 +3350,7 @@
           <a:p>
             <a:fld id="{C6E8B002-83F0-41C5-A7B7-2819A96BD9B2}" type="datetimeFigureOut">
               <a:rPr lang="hu-HU" smtClean="0"/>
-              <a:t>2016. 10. 03.</a:t>
+              <a:t>2016. 10. 10.</a:t>
             </a:fld>
             <a:endParaRPr lang="hu-HU"/>
           </a:p>
@@ -3612,7 +3607,7 @@
           <a:p>
             <a:fld id="{C6E8B002-83F0-41C5-A7B7-2819A96BD9B2}" type="datetimeFigureOut">
               <a:rPr lang="hu-HU" smtClean="0"/>
-              <a:t>2016. 10. 03.</a:t>
+              <a:t>2016. 10. 10.</a:t>
             </a:fld>
             <a:endParaRPr lang="hu-HU"/>
           </a:p>
@@ -3832,7 +3827,7 @@
           <a:p>
             <a:fld id="{C6E8B002-83F0-41C5-A7B7-2819A96BD9B2}" type="datetimeFigureOut">
               <a:rPr lang="hu-HU" smtClean="0"/>
-              <a:t>2016. 10. 03.</a:t>
+              <a:t>2016. 10. 10.</a:t>
             </a:fld>
             <a:endParaRPr lang="hu-HU"/>
           </a:p>
@@ -4613,7 +4608,7 @@
         </p:nvSpPr>
         <p:spPr>
           <a:xfrm>
-            <a:off x="525780" y="765335"/>
+            <a:off x="525780" y="821606"/>
             <a:ext cx="7886700" cy="994172"/>
           </a:xfrm>
         </p:spPr>
@@ -4624,20 +4619,14 @@
           <a:lstStyle/>
           <a:p>
             <a:r>
-              <a:rPr lang="hu-HU" b="1" dirty="0" err="1" smtClean="0">
-                <a:latin typeface="Arial Black" panose="020B0A04020102020204" pitchFamily="34" charset="0"/>
-              </a:rPr>
+              <a:rPr lang="hu-HU" sz="3200" b="1" dirty="0" err="1" smtClean="0"/>
               <a:t>Sályi</a:t>
             </a:r>
             <a:r>
-              <a:rPr lang="hu-HU" b="1" dirty="0" smtClean="0">
-                <a:latin typeface="Arial Black" panose="020B0A04020102020204" pitchFamily="34" charset="0"/>
-              </a:rPr>
+              <a:rPr lang="hu-HU" sz="3200" b="1" dirty="0" smtClean="0"/>
               <a:t> Szabolcs</a:t>
             </a:r>
-            <a:endParaRPr lang="hu-HU" b="1" dirty="0">
-              <a:latin typeface="Arial Black" panose="020B0A04020102020204" pitchFamily="34" charset="0"/>
-            </a:endParaRPr>
+            <a:endParaRPr lang="hu-HU" sz="3200" b="1" dirty="0"/>
           </a:p>
         </p:txBody>
       </p:sp>
@@ -4679,6 +4668,36 @@
           </a:p>
         </p:txBody>
       </p:sp>
+      <p:pic>
+        <p:nvPicPr>
+          <p:cNvPr id="4" name="Kép 3"/>
+          <p:cNvPicPr>
+            <a:picLocks noChangeAspect="1"/>
+          </p:cNvPicPr>
+          <p:nvPr/>
+        </p:nvPicPr>
+        <p:blipFill>
+          <a:blip r:embed="rId3" cstate="print">
+            <a:extLst>
+              <a:ext uri="{28A0092B-C50C-407E-A947-70E740481C1C}">
+                <a14:useLocalDpi xmlns:a14="http://schemas.microsoft.com/office/drawing/2010/main" val="0"/>
+              </a:ext>
+            </a:extLst>
+          </a:blip>
+          <a:stretch>
+            <a:fillRect/>
+          </a:stretch>
+        </p:blipFill>
+        <p:spPr>
+          <a:xfrm>
+            <a:off x="5179109" y="1241292"/>
+            <a:ext cx="2614393" cy="3485857"/>
+          </a:xfrm>
+          <a:prstGeom prst="rect">
+            <a:avLst/>
+          </a:prstGeom>
+        </p:spPr>
+      </p:pic>
     </p:spTree>
     <p:extLst>
       <p:ext uri="{BB962C8B-B14F-4D97-AF65-F5344CB8AC3E}">
@@ -9337,9 +9356,12 @@
 </file>
 
 <file path=customXml/item1.xml><?xml version="1.0" encoding="utf-8"?>
-<p:properties xmlns:p="http://schemas.microsoft.com/office/2006/metadata/properties" xmlns:xsi="http://www.w3.org/2001/XMLSchema-instance" xmlns:pc="http://schemas.microsoft.com/office/infopath/2007/PartnerControls">
-  <documentManagement/>
-</p:properties>
+<?mso-contentType ?>
+<FormTemplates xmlns="http://schemas.microsoft.com/sharepoint/v3/contenttype/forms">
+  <Display>DocumentLibraryForm</Display>
+  <Edit>DocumentLibraryForm</Edit>
+  <New>DocumentLibraryForm</New>
+</FormTemplates>
 </file>
 
 <file path=customXml/item2.xml><?xml version="1.0" encoding="utf-8"?>
@@ -9491,26 +9513,15 @@
 </file>
 
 <file path=customXml/item3.xml><?xml version="1.0" encoding="utf-8"?>
-<?mso-contentType ?>
-<FormTemplates xmlns="http://schemas.microsoft.com/sharepoint/v3/contenttype/forms">
-  <Display>DocumentLibraryForm</Display>
-  <Edit>DocumentLibraryForm</Edit>
-  <New>DocumentLibraryForm</New>
-</FormTemplates>
+<p:properties xmlns:p="http://schemas.microsoft.com/office/2006/metadata/properties" xmlns:xsi="http://www.w3.org/2001/XMLSchema-instance" xmlns:pc="http://schemas.microsoft.com/office/infopath/2007/PartnerControls">
+  <documentManagement/>
+</p:properties>
 </file>
 
 <file path=customXml/itemProps1.xml><?xml version="1.0" encoding="utf-8"?>
-<ds:datastoreItem xmlns:ds="http://schemas.openxmlformats.org/officeDocument/2006/customXml" ds:itemID="{8E1455B4-EFFE-4AEE-ADC2-FE51D16F6234}">
+<ds:datastoreItem xmlns:ds="http://schemas.openxmlformats.org/officeDocument/2006/customXml" ds:itemID="{166AD069-051C-46FD-A0CD-BDE143FEA57D}">
   <ds:schemaRefs>
-    <ds:schemaRef ds:uri="http://purl.org/dc/dcmitype/"/>
-    <ds:schemaRef ds:uri="http://schemas.microsoft.com/office/2006/metadata/properties"/>
-    <ds:schemaRef ds:uri="http://purl.org/dc/elements/1.1/"/>
-    <ds:schemaRef ds:uri="http://purl.org/dc/terms/"/>
-    <ds:schemaRef ds:uri="http://schemas.microsoft.com/office/2006/documentManagement/types"/>
-    <ds:schemaRef ds:uri="9a324a02-be43-499b-8089-7896e70993e7"/>
-    <ds:schemaRef ds:uri="http://schemas.microsoft.com/office/infopath/2007/PartnerControls"/>
-    <ds:schemaRef ds:uri="http://schemas.openxmlformats.org/package/2006/metadata/core-properties"/>
-    <ds:schemaRef ds:uri="http://www.w3.org/XML/1998/namespace"/>
+    <ds:schemaRef ds:uri="http://schemas.microsoft.com/sharepoint/v3/contenttype/forms"/>
   </ds:schemaRefs>
 </ds:datastoreItem>
 </file>
@@ -9534,9 +9545,17 @@
 </file>
 
 <file path=customXml/itemProps3.xml><?xml version="1.0" encoding="utf-8"?>
-<ds:datastoreItem xmlns:ds="http://schemas.openxmlformats.org/officeDocument/2006/customXml" ds:itemID="{166AD069-051C-46FD-A0CD-BDE143FEA57D}">
+<ds:datastoreItem xmlns:ds="http://schemas.openxmlformats.org/officeDocument/2006/customXml" ds:itemID="{8E1455B4-EFFE-4AEE-ADC2-FE51D16F6234}">
   <ds:schemaRefs>
-    <ds:schemaRef ds:uri="http://schemas.microsoft.com/sharepoint/v3/contenttype/forms"/>
+    <ds:schemaRef ds:uri="http://purl.org/dc/dcmitype/"/>
+    <ds:schemaRef ds:uri="http://schemas.microsoft.com/office/2006/metadata/properties"/>
+    <ds:schemaRef ds:uri="http://purl.org/dc/elements/1.1/"/>
+    <ds:schemaRef ds:uri="http://purl.org/dc/terms/"/>
+    <ds:schemaRef ds:uri="http://schemas.microsoft.com/office/2006/documentManagement/types"/>
+    <ds:schemaRef ds:uri="9a324a02-be43-499b-8089-7896e70993e7"/>
+    <ds:schemaRef ds:uri="http://schemas.microsoft.com/office/infopath/2007/PartnerControls"/>
+    <ds:schemaRef ds:uri="http://schemas.openxmlformats.org/package/2006/metadata/core-properties"/>
+    <ds:schemaRef ds:uri="http://www.w3.org/XML/1998/namespace"/>
   </ds:schemaRefs>
 </ds:datastoreItem>
 </file>